--- a/ppt/MachineLearning12-Pandas.pptx
+++ b/ppt/MachineLearning12-Pandas.pptx
@@ -3699,14 +3699,9 @@
           <a:p>
             <a:pPr eaLnBrk="1" hangingPunct="1"/>
             <a:r>
-              <a:rPr lang="fr-FR" altLang="fr-FR" smtClean="0"/>
-              <a:t>Chapitre </a:t>
-            </a:r>
-            <a:r>
-              <a:rPr lang="fr-FR" altLang="fr-FR" smtClean="0"/>
-              <a:t>12</a:t>
-            </a:r>
-            <a:endParaRPr lang="fr-FR" altLang="fr-FR" dirty="0" smtClean="0"/>
+              <a:rPr lang="fr-FR" altLang="fr-FR" dirty="0" smtClean="0"/>
+              <a:t>Chapitre 4</a:t>
+            </a:r>
           </a:p>
           <a:p>
             <a:pPr eaLnBrk="1" hangingPunct="1"/>
